--- a/Introduction to programming.pptx
+++ b/Introduction to programming.pptx
@@ -8,6 +8,12 @@
     <p:sldId id="256" r:id="rId2"/>
     <p:sldId id="258" r:id="rId3"/>
     <p:sldId id="257" r:id="rId4"/>
+    <p:sldId id="259" r:id="rId5"/>
+    <p:sldId id="260" r:id="rId6"/>
+    <p:sldId id="261" r:id="rId7"/>
+    <p:sldId id="262" r:id="rId8"/>
+    <p:sldId id="263" r:id="rId9"/>
+    <p:sldId id="264" r:id="rId10"/>
   </p:sldIdLst>
   <p:sldSz cx="12192000" cy="6858000"/>
   <p:notesSz cx="6858000" cy="9144000"/>
@@ -106,11 +112,238 @@
       </a:defRPr>
     </a:lvl9pPr>
   </p:defaultTextStyle>
+  <p:extLst>
+    <p:ext uri="{EFAFB233-063F-42B5-8137-9DF3F51BA10A}">
+      <p15:sldGuideLst xmlns:p15="http://schemas.microsoft.com/office/powerpoint/2012/main"/>
+    </p:ext>
+  </p:extLst>
 </p:presentation>
 </file>
 
 <file path=ppt/changesInfos/changesInfo1.xml><?xml version="1.0" encoding="utf-8"?>
 <pc:chgInfo xmlns:a="http://schemas.openxmlformats.org/drawingml/2006/main" xmlns:r="http://schemas.openxmlformats.org/officeDocument/2006/relationships" xmlns:ac="http://schemas.microsoft.com/office/drawing/2013/main/command" xmlns:pc="http://schemas.microsoft.com/office/powerpoint/2013/main/command">
+  <pc:docChgLst>
+    <pc:chgData name="jai moryani" userId="44c05091ca1060c6" providerId="LiveId" clId="{9B6B2FFA-4692-4332-BB50-A207D271276E}"/>
+    <pc:docChg chg="undo custSel addSld delSld modSld sldOrd">
+      <pc:chgData name="jai moryani" userId="44c05091ca1060c6" providerId="LiveId" clId="{9B6B2FFA-4692-4332-BB50-A207D271276E}" dt="2022-01-17T15:46:51.644" v="1040" actId="20577"/>
+      <pc:docMkLst>
+        <pc:docMk/>
+      </pc:docMkLst>
+      <pc:sldChg chg="modSp mod">
+        <pc:chgData name="jai moryani" userId="44c05091ca1060c6" providerId="LiveId" clId="{9B6B2FFA-4692-4332-BB50-A207D271276E}" dt="2022-01-17T15:23:47.213" v="112" actId="20577"/>
+        <pc:sldMkLst>
+          <pc:docMk/>
+          <pc:sldMk cId="2996832585" sldId="256"/>
+        </pc:sldMkLst>
+        <pc:spChg chg="mod">
+          <ac:chgData name="jai moryani" userId="44c05091ca1060c6" providerId="LiveId" clId="{9B6B2FFA-4692-4332-BB50-A207D271276E}" dt="2022-01-17T15:23:47.213" v="112" actId="20577"/>
+          <ac:spMkLst>
+            <pc:docMk/>
+            <pc:sldMk cId="2996832585" sldId="256"/>
+            <ac:spMk id="6" creationId="{3053C051-864F-475A-9987-8A68C74C73D4}"/>
+          </ac:spMkLst>
+        </pc:spChg>
+      </pc:sldChg>
+      <pc:sldChg chg="modSp mod">
+        <pc:chgData name="jai moryani" userId="44c05091ca1060c6" providerId="LiveId" clId="{9B6B2FFA-4692-4332-BB50-A207D271276E}" dt="2022-01-17T15:43:16.197" v="780" actId="20577"/>
+        <pc:sldMkLst>
+          <pc:docMk/>
+          <pc:sldMk cId="648782320" sldId="257"/>
+        </pc:sldMkLst>
+        <pc:spChg chg="mod">
+          <ac:chgData name="jai moryani" userId="44c05091ca1060c6" providerId="LiveId" clId="{9B6B2FFA-4692-4332-BB50-A207D271276E}" dt="2022-01-17T15:43:16.197" v="780" actId="20577"/>
+          <ac:spMkLst>
+            <pc:docMk/>
+            <pc:sldMk cId="648782320" sldId="257"/>
+            <ac:spMk id="2" creationId="{23A7DB5C-9E9D-40CC-8D8C-DD4DCBDDE273}"/>
+          </ac:spMkLst>
+        </pc:spChg>
+        <pc:spChg chg="mod">
+          <ac:chgData name="jai moryani" userId="44c05091ca1060c6" providerId="LiveId" clId="{9B6B2FFA-4692-4332-BB50-A207D271276E}" dt="2022-01-17T15:21:10.415" v="82" actId="1076"/>
+          <ac:spMkLst>
+            <pc:docMk/>
+            <pc:sldMk cId="648782320" sldId="257"/>
+            <ac:spMk id="3" creationId="{EC8BC00E-CEB5-40C3-AAE4-70029B27F415}"/>
+          </ac:spMkLst>
+        </pc:spChg>
+      </pc:sldChg>
+      <pc:sldChg chg="addSp modSp mod">
+        <pc:chgData name="jai moryani" userId="44c05091ca1060c6" providerId="LiveId" clId="{9B6B2FFA-4692-4332-BB50-A207D271276E}" dt="2022-01-17T15:42:53.582" v="779" actId="20577"/>
+        <pc:sldMkLst>
+          <pc:docMk/>
+          <pc:sldMk cId="10632016" sldId="258"/>
+        </pc:sldMkLst>
+        <pc:spChg chg="mod">
+          <ac:chgData name="jai moryani" userId="44c05091ca1060c6" providerId="LiveId" clId="{9B6B2FFA-4692-4332-BB50-A207D271276E}" dt="2022-01-17T15:26:22.969" v="136" actId="255"/>
+          <ac:spMkLst>
+            <pc:docMk/>
+            <pc:sldMk cId="10632016" sldId="258"/>
+            <ac:spMk id="2" creationId="{E41879EB-3E27-4A91-AB98-03965104F097}"/>
+          </ac:spMkLst>
+        </pc:spChg>
+        <pc:spChg chg="add mod">
+          <ac:chgData name="jai moryani" userId="44c05091ca1060c6" providerId="LiveId" clId="{9B6B2FFA-4692-4332-BB50-A207D271276E}" dt="2022-01-17T15:42:53.582" v="779" actId="20577"/>
+          <ac:spMkLst>
+            <pc:docMk/>
+            <pc:sldMk cId="10632016" sldId="258"/>
+            <ac:spMk id="3" creationId="{E0645D6C-C7D4-425B-8E1D-F2D536DAB172}"/>
+          </ac:spMkLst>
+        </pc:spChg>
+      </pc:sldChg>
+      <pc:sldChg chg="modSp new mod">
+        <pc:chgData name="jai moryani" userId="44c05091ca1060c6" providerId="LiveId" clId="{9B6B2FFA-4692-4332-BB50-A207D271276E}" dt="2022-01-17T15:26:29.772" v="137" actId="1076"/>
+        <pc:sldMkLst>
+          <pc:docMk/>
+          <pc:sldMk cId="283000038" sldId="259"/>
+        </pc:sldMkLst>
+        <pc:spChg chg="mod">
+          <ac:chgData name="jai moryani" userId="44c05091ca1060c6" providerId="LiveId" clId="{9B6B2FFA-4692-4332-BB50-A207D271276E}" dt="2022-01-17T15:26:29.772" v="137" actId="1076"/>
+          <ac:spMkLst>
+            <pc:docMk/>
+            <pc:sldMk cId="283000038" sldId="259"/>
+            <ac:spMk id="2" creationId="{6E6CF946-D281-41E8-B853-78510FE5FCD7}"/>
+          </ac:spMkLst>
+        </pc:spChg>
+        <pc:spChg chg="mod">
+          <ac:chgData name="jai moryani" userId="44c05091ca1060c6" providerId="LiveId" clId="{9B6B2FFA-4692-4332-BB50-A207D271276E}" dt="2022-01-17T15:21:29.821" v="83" actId="255"/>
+          <ac:spMkLst>
+            <pc:docMk/>
+            <pc:sldMk cId="283000038" sldId="259"/>
+            <ac:spMk id="3" creationId="{DF7E1040-D530-42C4-A5A6-A36FD17EEB8F}"/>
+          </ac:spMkLst>
+        </pc:spChg>
+      </pc:sldChg>
+      <pc:sldChg chg="modSp new mod">
+        <pc:chgData name="jai moryani" userId="44c05091ca1060c6" providerId="LiveId" clId="{9B6B2FFA-4692-4332-BB50-A207D271276E}" dt="2022-01-17T15:26:52.780" v="140" actId="1076"/>
+        <pc:sldMkLst>
+          <pc:docMk/>
+          <pc:sldMk cId="2032010797" sldId="260"/>
+        </pc:sldMkLst>
+        <pc:spChg chg="mod">
+          <ac:chgData name="jai moryani" userId="44c05091ca1060c6" providerId="LiveId" clId="{9B6B2FFA-4692-4332-BB50-A207D271276E}" dt="2022-01-17T15:26:43.592" v="139" actId="14100"/>
+          <ac:spMkLst>
+            <pc:docMk/>
+            <pc:sldMk cId="2032010797" sldId="260"/>
+            <ac:spMk id="2" creationId="{C0979501-8AB7-4BFC-AC33-837738CEEFC3}"/>
+          </ac:spMkLst>
+        </pc:spChg>
+        <pc:spChg chg="mod">
+          <ac:chgData name="jai moryani" userId="44c05091ca1060c6" providerId="LiveId" clId="{9B6B2FFA-4692-4332-BB50-A207D271276E}" dt="2022-01-17T15:26:52.780" v="140" actId="1076"/>
+          <ac:spMkLst>
+            <pc:docMk/>
+            <pc:sldMk cId="2032010797" sldId="260"/>
+            <ac:spMk id="3" creationId="{552FC10F-ADB3-444D-B1F0-1EE0555EE304}"/>
+          </ac:spMkLst>
+        </pc:spChg>
+      </pc:sldChg>
+      <pc:sldChg chg="new del">
+        <pc:chgData name="jai moryani" userId="44c05091ca1060c6" providerId="LiveId" clId="{9B6B2FFA-4692-4332-BB50-A207D271276E}" dt="2022-01-17T15:25:26.089" v="130" actId="680"/>
+        <pc:sldMkLst>
+          <pc:docMk/>
+          <pc:sldMk cId="1293267590" sldId="261"/>
+        </pc:sldMkLst>
+      </pc:sldChg>
+      <pc:sldChg chg="modSp new mod">
+        <pc:chgData name="jai moryani" userId="44c05091ca1060c6" providerId="LiveId" clId="{9B6B2FFA-4692-4332-BB50-A207D271276E}" dt="2022-01-17T15:27:50.212" v="164" actId="1076"/>
+        <pc:sldMkLst>
+          <pc:docMk/>
+          <pc:sldMk cId="3598835409" sldId="261"/>
+        </pc:sldMkLst>
+        <pc:spChg chg="mod">
+          <ac:chgData name="jai moryani" userId="44c05091ca1060c6" providerId="LiveId" clId="{9B6B2FFA-4692-4332-BB50-A207D271276E}" dt="2022-01-17T15:27:46.528" v="163" actId="1076"/>
+          <ac:spMkLst>
+            <pc:docMk/>
+            <pc:sldMk cId="3598835409" sldId="261"/>
+            <ac:spMk id="2" creationId="{25C83C72-E067-4C96-9839-108CB0923BBC}"/>
+          </ac:spMkLst>
+        </pc:spChg>
+        <pc:spChg chg="mod">
+          <ac:chgData name="jai moryani" userId="44c05091ca1060c6" providerId="LiveId" clId="{9B6B2FFA-4692-4332-BB50-A207D271276E}" dt="2022-01-17T15:27:50.212" v="164" actId="1076"/>
+          <ac:spMkLst>
+            <pc:docMk/>
+            <pc:sldMk cId="3598835409" sldId="261"/>
+            <ac:spMk id="3" creationId="{BE16AF5B-AEF8-4C47-9999-051C03F5B4DE}"/>
+          </ac:spMkLst>
+        </pc:spChg>
+      </pc:sldChg>
+      <pc:sldChg chg="modSp new mod ord">
+        <pc:chgData name="jai moryani" userId="44c05091ca1060c6" providerId="LiveId" clId="{9B6B2FFA-4692-4332-BB50-A207D271276E}" dt="2022-01-17T15:28:22.581" v="184" actId="1076"/>
+        <pc:sldMkLst>
+          <pc:docMk/>
+          <pc:sldMk cId="3535352352" sldId="262"/>
+        </pc:sldMkLst>
+        <pc:spChg chg="mod">
+          <ac:chgData name="jai moryani" userId="44c05091ca1060c6" providerId="LiveId" clId="{9B6B2FFA-4692-4332-BB50-A207D271276E}" dt="2022-01-17T15:28:18.172" v="183" actId="1076"/>
+          <ac:spMkLst>
+            <pc:docMk/>
+            <pc:sldMk cId="3535352352" sldId="262"/>
+            <ac:spMk id="2" creationId="{CDA3E519-0591-47C2-B763-9062DC1A6F1E}"/>
+          </ac:spMkLst>
+        </pc:spChg>
+        <pc:spChg chg="mod">
+          <ac:chgData name="jai moryani" userId="44c05091ca1060c6" providerId="LiveId" clId="{9B6B2FFA-4692-4332-BB50-A207D271276E}" dt="2022-01-17T15:28:22.581" v="184" actId="1076"/>
+          <ac:spMkLst>
+            <pc:docMk/>
+            <pc:sldMk cId="3535352352" sldId="262"/>
+            <ac:spMk id="3" creationId="{4BE6D68A-1203-4BAB-900F-34534C7E7128}"/>
+          </ac:spMkLst>
+        </pc:spChg>
+      </pc:sldChg>
+      <pc:sldChg chg="modSp new mod">
+        <pc:chgData name="jai moryani" userId="44c05091ca1060c6" providerId="LiveId" clId="{9B6B2FFA-4692-4332-BB50-A207D271276E}" dt="2022-01-17T15:46:51.644" v="1040" actId="20577"/>
+        <pc:sldMkLst>
+          <pc:docMk/>
+          <pc:sldMk cId="1586961705" sldId="263"/>
+        </pc:sldMkLst>
+        <pc:spChg chg="mod">
+          <ac:chgData name="jai moryani" userId="44c05091ca1060c6" providerId="LiveId" clId="{9B6B2FFA-4692-4332-BB50-A207D271276E}" dt="2022-01-17T15:29:26.436" v="201" actId="1076"/>
+          <ac:spMkLst>
+            <pc:docMk/>
+            <pc:sldMk cId="1586961705" sldId="263"/>
+            <ac:spMk id="2" creationId="{407061FA-9CCF-43E8-8190-DCFDCFD09F79}"/>
+          </ac:spMkLst>
+        </pc:spChg>
+        <pc:spChg chg="mod">
+          <ac:chgData name="jai moryani" userId="44c05091ca1060c6" providerId="LiveId" clId="{9B6B2FFA-4692-4332-BB50-A207D271276E}" dt="2022-01-17T15:46:51.644" v="1040" actId="20577"/>
+          <ac:spMkLst>
+            <pc:docMk/>
+            <pc:sldMk cId="1586961705" sldId="263"/>
+            <ac:spMk id="3" creationId="{AC897ED5-EA84-429E-807F-EB3E9A006ADC}"/>
+          </ac:spMkLst>
+        </pc:spChg>
+      </pc:sldChg>
+      <pc:sldChg chg="modSp new mod">
+        <pc:chgData name="jai moryani" userId="44c05091ca1060c6" providerId="LiveId" clId="{9B6B2FFA-4692-4332-BB50-A207D271276E}" dt="2022-01-17T15:30:19.016" v="219" actId="1076"/>
+        <pc:sldMkLst>
+          <pc:docMk/>
+          <pc:sldMk cId="2413963632" sldId="264"/>
+        </pc:sldMkLst>
+        <pc:spChg chg="mod">
+          <ac:chgData name="jai moryani" userId="44c05091ca1060c6" providerId="LiveId" clId="{9B6B2FFA-4692-4332-BB50-A207D271276E}" dt="2022-01-17T15:30:08.888" v="217" actId="1076"/>
+          <ac:spMkLst>
+            <pc:docMk/>
+            <pc:sldMk cId="2413963632" sldId="264"/>
+            <ac:spMk id="2" creationId="{167EEEAC-4B54-41C9-81D8-6681C2EE0657}"/>
+          </ac:spMkLst>
+        </pc:spChg>
+        <pc:spChg chg="mod">
+          <ac:chgData name="jai moryani" userId="44c05091ca1060c6" providerId="LiveId" clId="{9B6B2FFA-4692-4332-BB50-A207D271276E}" dt="2022-01-17T15:30:19.016" v="219" actId="1076"/>
+          <ac:spMkLst>
+            <pc:docMk/>
+            <pc:sldMk cId="2413963632" sldId="264"/>
+            <ac:spMk id="3" creationId="{0503C896-168A-478C-B184-D98211E9189D}"/>
+          </ac:spMkLst>
+        </pc:spChg>
+      </pc:sldChg>
+      <pc:sldChg chg="new del">
+        <pc:chgData name="jai moryani" userId="44c05091ca1060c6" providerId="LiveId" clId="{9B6B2FFA-4692-4332-BB50-A207D271276E}" dt="2022-01-17T15:28:49.707" v="188" actId="680"/>
+        <pc:sldMkLst>
+          <pc:docMk/>
+          <pc:sldMk cId="3144879756" sldId="264"/>
+        </pc:sldMkLst>
+      </pc:sldChg>
+    </pc:docChg>
+  </pc:docChgLst>
   <pc:docChgLst>
     <pc:chgData name="jai moryani" userId="44c05091ca1060c6" providerId="LiveId" clId="{E8AB8137-4E7E-444D-97EA-717C698D0A0C}"/>
     <pc:docChg chg="custSel addSld modSld sldOrd">
@@ -265,7 +498,7 @@
           <a:noFill/>
           <a:extLst>
             <a:ext uri="{909E8E84-426E-40dd-AFC4-6F175D3DCCD1}">
-              <a14:hiddenFill xmlns:a14="http://schemas.microsoft.com/office/drawing/2010/main" xmlns="">
+              <a14:hiddenFill xmlns="" xmlns:a14="http://schemas.microsoft.com/office/drawing/2010/main">
                 <a:solidFill>
                   <a:srgbClr val="FFFFFF"/>
                 </a:solidFill>
@@ -324,7 +557,7 @@
             </a:ln>
             <a:extLst>
               <a:ext uri="{91240B29-F687-4f45-9708-019B960494DF}">
-                <a14:hiddenLine xmlns:a14="http://schemas.microsoft.com/office/drawing/2010/main" xmlns="" w="9525">
+                <a14:hiddenLine xmlns="" xmlns:a14="http://schemas.microsoft.com/office/drawing/2010/main" w="9525">
                   <a:solidFill>
                     <a:srgbClr val="000000"/>
                   </a:solidFill>
@@ -414,7 +647,7 @@
             </a:ln>
             <a:extLst>
               <a:ext uri="{91240B29-F687-4f45-9708-019B960494DF}">
-                <a14:hiddenLine xmlns:a14="http://schemas.microsoft.com/office/drawing/2010/main" xmlns="" w="9525">
+                <a14:hiddenLine xmlns="" xmlns:a14="http://schemas.microsoft.com/office/drawing/2010/main" w="9525">
                   <a:solidFill>
                     <a:srgbClr val="000000"/>
                   </a:solidFill>
@@ -504,7 +737,7 @@
             </a:ln>
             <a:extLst>
               <a:ext uri="{91240B29-F687-4f45-9708-019B960494DF}">
-                <a14:hiddenLine xmlns:a14="http://schemas.microsoft.com/office/drawing/2010/main" xmlns="" w="9525">
+                <a14:hiddenLine xmlns="" xmlns:a14="http://schemas.microsoft.com/office/drawing/2010/main" w="9525">
                   <a:solidFill>
                     <a:srgbClr val="000000"/>
                   </a:solidFill>
@@ -538,7 +771,7 @@
             </a:ln>
             <a:extLst>
               <a:ext uri="{91240B29-F687-4f45-9708-019B960494DF}">
-                <a14:hiddenLine xmlns:a14="http://schemas.microsoft.com/office/drawing/2010/main" xmlns="" w="9525">
+                <a14:hiddenLine xmlns="" xmlns:a14="http://schemas.microsoft.com/office/drawing/2010/main" w="9525">
                   <a:solidFill>
                     <a:srgbClr val="000000"/>
                   </a:solidFill>
@@ -628,7 +861,7 @@
             </a:ln>
             <a:extLst>
               <a:ext uri="{91240B29-F687-4f45-9708-019B960494DF}">
-                <a14:hiddenLine xmlns:a14="http://schemas.microsoft.com/office/drawing/2010/main" xmlns="" w="9525">
+                <a14:hiddenLine xmlns="" xmlns:a14="http://schemas.microsoft.com/office/drawing/2010/main" w="9525">
                   <a:solidFill>
                     <a:srgbClr val="000000"/>
                   </a:solidFill>
@@ -690,7 +923,7 @@
             </a:ln>
             <a:extLst>
               <a:ext uri="{91240B29-F687-4f45-9708-019B960494DF}">
-                <a14:hiddenLine xmlns:a14="http://schemas.microsoft.com/office/drawing/2010/main" xmlns="" w="9525">
+                <a14:hiddenLine xmlns="" xmlns:a14="http://schemas.microsoft.com/office/drawing/2010/main" w="9525">
                   <a:solidFill>
                     <a:srgbClr val="000000"/>
                   </a:solidFill>
@@ -752,7 +985,7 @@
             </a:ln>
             <a:extLst>
               <a:ext uri="{91240B29-F687-4f45-9708-019B960494DF}">
-                <a14:hiddenLine xmlns:a14="http://schemas.microsoft.com/office/drawing/2010/main" xmlns="" w="9525">
+                <a14:hiddenLine xmlns="" xmlns:a14="http://schemas.microsoft.com/office/drawing/2010/main" w="9525">
                   <a:solidFill>
                     <a:srgbClr val="000000"/>
                   </a:solidFill>
@@ -842,7 +1075,7 @@
             </a:ln>
             <a:extLst>
               <a:ext uri="{91240B29-F687-4f45-9708-019B960494DF}">
-                <a14:hiddenLine xmlns:a14="http://schemas.microsoft.com/office/drawing/2010/main" xmlns="" w="9525">
+                <a14:hiddenLine xmlns="" xmlns:a14="http://schemas.microsoft.com/office/drawing/2010/main" w="9525">
                   <a:solidFill>
                     <a:srgbClr val="000000"/>
                   </a:solidFill>
@@ -904,7 +1137,7 @@
             </a:ln>
             <a:extLst>
               <a:ext uri="{91240B29-F687-4f45-9708-019B960494DF}">
-                <a14:hiddenLine xmlns:a14="http://schemas.microsoft.com/office/drawing/2010/main" xmlns="" w="9525">
+                <a14:hiddenLine xmlns="" xmlns:a14="http://schemas.microsoft.com/office/drawing/2010/main" w="9525">
                   <a:solidFill>
                     <a:srgbClr val="000000"/>
                   </a:solidFill>
@@ -966,7 +1199,7 @@
             </a:ln>
             <a:extLst>
               <a:ext uri="{91240B29-F687-4f45-9708-019B960494DF}">
-                <a14:hiddenLine xmlns:a14="http://schemas.microsoft.com/office/drawing/2010/main" xmlns="" w="9525">
+                <a14:hiddenLine xmlns="" xmlns:a14="http://schemas.microsoft.com/office/drawing/2010/main" w="9525">
                   <a:solidFill>
                     <a:srgbClr val="000000"/>
                   </a:solidFill>
@@ -1056,7 +1289,7 @@
             </a:ln>
             <a:extLst>
               <a:ext uri="{91240B29-F687-4f45-9708-019B960494DF}">
-                <a14:hiddenLine xmlns:a14="http://schemas.microsoft.com/office/drawing/2010/main" xmlns="" w="9525">
+                <a14:hiddenLine xmlns="" xmlns:a14="http://schemas.microsoft.com/office/drawing/2010/main" w="9525">
                   <a:solidFill>
                     <a:srgbClr val="000000"/>
                   </a:solidFill>
@@ -1146,7 +1379,7 @@
             </a:ln>
             <a:extLst>
               <a:ext uri="{91240B29-F687-4f45-9708-019B960494DF}">
-                <a14:hiddenLine xmlns:a14="http://schemas.microsoft.com/office/drawing/2010/main" xmlns="" w="9525">
+                <a14:hiddenLine xmlns="" xmlns:a14="http://schemas.microsoft.com/office/drawing/2010/main" w="9525">
                   <a:solidFill>
                     <a:srgbClr val="000000"/>
                   </a:solidFill>
@@ -1208,7 +1441,7 @@
             </a:ln>
             <a:extLst>
               <a:ext uri="{91240B29-F687-4f45-9708-019B960494DF}">
-                <a14:hiddenLine xmlns:a14="http://schemas.microsoft.com/office/drawing/2010/main" xmlns="" w="9525">
+                <a14:hiddenLine xmlns="" xmlns:a14="http://schemas.microsoft.com/office/drawing/2010/main" w="9525">
                   <a:solidFill>
                     <a:srgbClr val="000000"/>
                   </a:solidFill>
@@ -1318,7 +1551,7 @@
             </a:ln>
             <a:extLst>
               <a:ext uri="{91240B29-F687-4f45-9708-019B960494DF}">
-                <a14:hiddenLine xmlns:a14="http://schemas.microsoft.com/office/drawing/2010/main" xmlns="" w="9525">
+                <a14:hiddenLine xmlns="" xmlns:a14="http://schemas.microsoft.com/office/drawing/2010/main" w="9525">
                   <a:solidFill>
                     <a:srgbClr val="000000"/>
                   </a:solidFill>
@@ -1380,7 +1613,7 @@
             </a:ln>
             <a:extLst>
               <a:ext uri="{91240B29-F687-4f45-9708-019B960494DF}">
-                <a14:hiddenLine xmlns:a14="http://schemas.microsoft.com/office/drawing/2010/main" xmlns="" w="9525">
+                <a14:hiddenLine xmlns="" xmlns:a14="http://schemas.microsoft.com/office/drawing/2010/main" w="9525">
                   <a:solidFill>
                     <a:srgbClr val="000000"/>
                   </a:solidFill>
@@ -1470,7 +1703,7 @@
             </a:ln>
             <a:extLst>
               <a:ext uri="{91240B29-F687-4f45-9708-019B960494DF}">
-                <a14:hiddenLine xmlns:a14="http://schemas.microsoft.com/office/drawing/2010/main" xmlns="" w="9525">
+                <a14:hiddenLine xmlns="" xmlns:a14="http://schemas.microsoft.com/office/drawing/2010/main" w="9525">
                   <a:solidFill>
                     <a:srgbClr val="000000"/>
                   </a:solidFill>
@@ -1560,7 +1793,7 @@
             </a:ln>
             <a:extLst>
               <a:ext uri="{91240B29-F687-4f45-9708-019B960494DF}">
-                <a14:hiddenLine xmlns:a14="http://schemas.microsoft.com/office/drawing/2010/main" xmlns="" w="9525">
+                <a14:hiddenLine xmlns="" xmlns:a14="http://schemas.microsoft.com/office/drawing/2010/main" w="9525">
                   <a:solidFill>
                     <a:srgbClr val="000000"/>
                   </a:solidFill>
@@ -1622,7 +1855,7 @@
             </a:ln>
             <a:extLst>
               <a:ext uri="{91240B29-F687-4f45-9708-019B960494DF}">
-                <a14:hiddenLine xmlns:a14="http://schemas.microsoft.com/office/drawing/2010/main" xmlns="" w="9525">
+                <a14:hiddenLine xmlns="" xmlns:a14="http://schemas.microsoft.com/office/drawing/2010/main" w="9525">
                   <a:solidFill>
                     <a:srgbClr val="000000"/>
                   </a:solidFill>
@@ -1712,7 +1945,7 @@
             </a:ln>
             <a:extLst>
               <a:ext uri="{91240B29-F687-4f45-9708-019B960494DF}">
-                <a14:hiddenLine xmlns:a14="http://schemas.microsoft.com/office/drawing/2010/main" xmlns="" w="9525">
+                <a14:hiddenLine xmlns="" xmlns:a14="http://schemas.microsoft.com/office/drawing/2010/main" w="9525">
                   <a:solidFill>
                     <a:srgbClr val="000000"/>
                   </a:solidFill>
@@ -1802,7 +2035,7 @@
             </a:ln>
             <a:extLst>
               <a:ext uri="{91240B29-F687-4f45-9708-019B960494DF}">
-                <a14:hiddenLine xmlns:a14="http://schemas.microsoft.com/office/drawing/2010/main" xmlns="" w="9525">
+                <a14:hiddenLine xmlns="" xmlns:a14="http://schemas.microsoft.com/office/drawing/2010/main" w="9525">
                   <a:solidFill>
                     <a:srgbClr val="000000"/>
                   </a:solidFill>
@@ -1858,7 +2091,7 @@
             </a:ln>
             <a:extLst>
               <a:ext uri="{91240B29-F687-4f45-9708-019B960494DF}">
-                <a14:hiddenLine xmlns:a14="http://schemas.microsoft.com/office/drawing/2010/main" xmlns="" w="9525">
+                <a14:hiddenLine xmlns="" xmlns:a14="http://schemas.microsoft.com/office/drawing/2010/main" w="9525">
                   <a:solidFill>
                     <a:srgbClr val="000000"/>
                   </a:solidFill>
@@ -1948,7 +2181,7 @@
             </a:ln>
             <a:extLst>
               <a:ext uri="{91240B29-F687-4f45-9708-019B960494DF}">
-                <a14:hiddenLine xmlns:a14="http://schemas.microsoft.com/office/drawing/2010/main" xmlns="" w="9525">
+                <a14:hiddenLine xmlns="" xmlns:a14="http://schemas.microsoft.com/office/drawing/2010/main" w="9525">
                   <a:solidFill>
                     <a:srgbClr val="000000"/>
                   </a:solidFill>
@@ -2004,7 +2237,7 @@
             </a:ln>
             <a:extLst>
               <a:ext uri="{91240B29-F687-4f45-9708-019B960494DF}">
-                <a14:hiddenLine xmlns:a14="http://schemas.microsoft.com/office/drawing/2010/main" xmlns="" w="9525">
+                <a14:hiddenLine xmlns="" xmlns:a14="http://schemas.microsoft.com/office/drawing/2010/main" w="9525">
                   <a:solidFill>
                     <a:srgbClr val="000000"/>
                   </a:solidFill>
@@ -2094,7 +2327,7 @@
             </a:ln>
             <a:extLst>
               <a:ext uri="{91240B29-F687-4f45-9708-019B960494DF}">
-                <a14:hiddenLine xmlns:a14="http://schemas.microsoft.com/office/drawing/2010/main" xmlns="" w="9525">
+                <a14:hiddenLine xmlns="" xmlns:a14="http://schemas.microsoft.com/office/drawing/2010/main" w="9525">
                   <a:solidFill>
                     <a:srgbClr val="000000"/>
                   </a:solidFill>
@@ -2162,7 +2395,7 @@
             </a:ln>
             <a:extLst>
               <a:ext uri="{91240B29-F687-4f45-9708-019B960494DF}">
-                <a14:hiddenLine xmlns:a14="http://schemas.microsoft.com/office/drawing/2010/main" xmlns="" w="9525">
+                <a14:hiddenLine xmlns="" xmlns:a14="http://schemas.microsoft.com/office/drawing/2010/main" w="9525">
                   <a:solidFill>
                     <a:srgbClr val="000000"/>
                   </a:solidFill>
@@ -2252,7 +2485,7 @@
             </a:ln>
             <a:extLst>
               <a:ext uri="{91240B29-F687-4f45-9708-019B960494DF}">
-                <a14:hiddenLine xmlns:a14="http://schemas.microsoft.com/office/drawing/2010/main" xmlns="" w="9525">
+                <a14:hiddenLine xmlns="" xmlns:a14="http://schemas.microsoft.com/office/drawing/2010/main" w="9525">
                   <a:solidFill>
                     <a:srgbClr val="000000"/>
                   </a:solidFill>
@@ -2320,7 +2553,7 @@
             </a:ln>
             <a:extLst>
               <a:ext uri="{91240B29-F687-4f45-9708-019B960494DF}">
-                <a14:hiddenLine xmlns:a14="http://schemas.microsoft.com/office/drawing/2010/main" xmlns="" w="9525">
+                <a14:hiddenLine xmlns="" xmlns:a14="http://schemas.microsoft.com/office/drawing/2010/main" w="9525">
                   <a:solidFill>
                     <a:srgbClr val="000000"/>
                   </a:solidFill>
@@ -2410,7 +2643,7 @@
             </a:ln>
             <a:extLst>
               <a:ext uri="{91240B29-F687-4f45-9708-019B960494DF}">
-                <a14:hiddenLine xmlns:a14="http://schemas.microsoft.com/office/drawing/2010/main" xmlns="" w="9525">
+                <a14:hiddenLine xmlns="" xmlns:a14="http://schemas.microsoft.com/office/drawing/2010/main" w="9525">
                   <a:solidFill>
                     <a:srgbClr val="000000"/>
                   </a:solidFill>
@@ -2444,7 +2677,7 @@
             </a:ln>
             <a:extLst>
               <a:ext uri="{91240B29-F687-4f45-9708-019B960494DF}">
-                <a14:hiddenLine xmlns:a14="http://schemas.microsoft.com/office/drawing/2010/main" xmlns="" w="9525">
+                <a14:hiddenLine xmlns="" xmlns:a14="http://schemas.microsoft.com/office/drawing/2010/main" w="9525">
                   <a:solidFill>
                     <a:srgbClr val="000000"/>
                   </a:solidFill>
@@ -2534,7 +2767,7 @@
             </a:ln>
             <a:extLst>
               <a:ext uri="{91240B29-F687-4f45-9708-019B960494DF}">
-                <a14:hiddenLine xmlns:a14="http://schemas.microsoft.com/office/drawing/2010/main" xmlns="" w="9525">
+                <a14:hiddenLine xmlns="" xmlns:a14="http://schemas.microsoft.com/office/drawing/2010/main" w="9525">
                   <a:solidFill>
                     <a:srgbClr val="000000"/>
                   </a:solidFill>
@@ -2596,7 +2829,7 @@
             </a:ln>
             <a:extLst>
               <a:ext uri="{91240B29-F687-4f45-9708-019B960494DF}">
-                <a14:hiddenLine xmlns:a14="http://schemas.microsoft.com/office/drawing/2010/main" xmlns="" w="9525">
+                <a14:hiddenLine xmlns="" xmlns:a14="http://schemas.microsoft.com/office/drawing/2010/main" w="9525">
                   <a:solidFill>
                     <a:srgbClr val="000000"/>
                   </a:solidFill>
@@ -2658,7 +2891,7 @@
             </a:ln>
             <a:extLst>
               <a:ext uri="{91240B29-F687-4f45-9708-019B960494DF}">
-                <a14:hiddenLine xmlns:a14="http://schemas.microsoft.com/office/drawing/2010/main" xmlns="" w="9525">
+                <a14:hiddenLine xmlns="" xmlns:a14="http://schemas.microsoft.com/office/drawing/2010/main" w="9525">
                   <a:solidFill>
                     <a:srgbClr val="000000"/>
                   </a:solidFill>
@@ -2748,7 +2981,7 @@
             </a:ln>
             <a:extLst>
               <a:ext uri="{91240B29-F687-4f45-9708-019B960494DF}">
-                <a14:hiddenLine xmlns:a14="http://schemas.microsoft.com/office/drawing/2010/main" xmlns="" w="9525">
+                <a14:hiddenLine xmlns="" xmlns:a14="http://schemas.microsoft.com/office/drawing/2010/main" w="9525">
                   <a:solidFill>
                     <a:srgbClr val="000000"/>
                   </a:solidFill>
@@ -2816,7 +3049,7 @@
             </a:ln>
             <a:extLst>
               <a:ext uri="{91240B29-F687-4f45-9708-019B960494DF}">
-                <a14:hiddenLine xmlns:a14="http://schemas.microsoft.com/office/drawing/2010/main" xmlns="" w="9525">
+                <a14:hiddenLine xmlns="" xmlns:a14="http://schemas.microsoft.com/office/drawing/2010/main" w="9525">
                   <a:solidFill>
                     <a:srgbClr val="000000"/>
                   </a:solidFill>
@@ -2878,7 +3111,7 @@
             </a:ln>
             <a:extLst>
               <a:ext uri="{91240B29-F687-4f45-9708-019B960494DF}">
-                <a14:hiddenLine xmlns:a14="http://schemas.microsoft.com/office/drawing/2010/main" xmlns="" w="9525">
+                <a14:hiddenLine xmlns="" xmlns:a14="http://schemas.microsoft.com/office/drawing/2010/main" w="9525">
                   <a:solidFill>
                     <a:srgbClr val="000000"/>
                   </a:solidFill>
@@ -2968,7 +3201,7 @@
             </a:ln>
             <a:extLst>
               <a:ext uri="{91240B29-F687-4f45-9708-019B960494DF}">
-                <a14:hiddenLine xmlns:a14="http://schemas.microsoft.com/office/drawing/2010/main" xmlns="" w="9525">
+                <a14:hiddenLine xmlns="" xmlns:a14="http://schemas.microsoft.com/office/drawing/2010/main" w="9525">
                   <a:solidFill>
                     <a:srgbClr val="000000"/>
                   </a:solidFill>
@@ -3030,7 +3263,7 @@
             </a:ln>
             <a:extLst>
               <a:ext uri="{91240B29-F687-4f45-9708-019B960494DF}">
-                <a14:hiddenLine xmlns:a14="http://schemas.microsoft.com/office/drawing/2010/main" xmlns="" w="9525">
+                <a14:hiddenLine xmlns="" xmlns:a14="http://schemas.microsoft.com/office/drawing/2010/main" w="9525">
                   <a:solidFill>
                     <a:srgbClr val="000000"/>
                   </a:solidFill>
@@ -3120,7 +3353,7 @@
             </a:ln>
             <a:extLst>
               <a:ext uri="{91240B29-F687-4f45-9708-019B960494DF}">
-                <a14:hiddenLine xmlns:a14="http://schemas.microsoft.com/office/drawing/2010/main" xmlns="" w="9525">
+                <a14:hiddenLine xmlns="" xmlns:a14="http://schemas.microsoft.com/office/drawing/2010/main" w="9525">
                   <a:solidFill>
                     <a:srgbClr val="000000"/>
                   </a:solidFill>
@@ -3182,7 +3415,7 @@
             </a:ln>
             <a:extLst>
               <a:ext uri="{91240B29-F687-4f45-9708-019B960494DF}">
-                <a14:hiddenLine xmlns:a14="http://schemas.microsoft.com/office/drawing/2010/main" xmlns="" w="9525">
+                <a14:hiddenLine xmlns="" xmlns:a14="http://schemas.microsoft.com/office/drawing/2010/main" w="9525">
                   <a:solidFill>
                     <a:srgbClr val="000000"/>
                   </a:solidFill>
@@ -3272,7 +3505,7 @@
             </a:ln>
             <a:extLst>
               <a:ext uri="{91240B29-F687-4f45-9708-019B960494DF}">
-                <a14:hiddenLine xmlns:a14="http://schemas.microsoft.com/office/drawing/2010/main" xmlns="" w="9525">
+                <a14:hiddenLine xmlns="" xmlns:a14="http://schemas.microsoft.com/office/drawing/2010/main" w="9525">
                   <a:solidFill>
                     <a:srgbClr val="000000"/>
                   </a:solidFill>
@@ -3306,7 +3539,7 @@
             </a:ln>
             <a:extLst>
               <a:ext uri="{91240B29-F687-4f45-9708-019B960494DF}">
-                <a14:hiddenLine xmlns:a14="http://schemas.microsoft.com/office/drawing/2010/main" xmlns="" w="9525">
+                <a14:hiddenLine xmlns="" xmlns:a14="http://schemas.microsoft.com/office/drawing/2010/main" w="9525">
                   <a:solidFill>
                     <a:srgbClr val="000000"/>
                   </a:solidFill>
@@ -3371,7 +3604,7 @@
             </a:ln>
             <a:extLst>
               <a:ext uri="{91240B29-F687-4f45-9708-019B960494DF}">
-                <a14:hiddenLine xmlns:a14="http://schemas.microsoft.com/office/drawing/2010/main" xmlns="" w="9525">
+                <a14:hiddenLine xmlns="" xmlns:a14="http://schemas.microsoft.com/office/drawing/2010/main" w="9525">
                   <a:solidFill>
                     <a:srgbClr val="000000"/>
                   </a:solidFill>
@@ -3461,7 +3694,7 @@
             </a:ln>
             <a:extLst>
               <a:ext uri="{91240B29-F687-4f45-9708-019B960494DF}">
-                <a14:hiddenLine xmlns:a14="http://schemas.microsoft.com/office/drawing/2010/main" xmlns="" w="9525">
+                <a14:hiddenLine xmlns="" xmlns:a14="http://schemas.microsoft.com/office/drawing/2010/main" w="9525">
                   <a:solidFill>
                     <a:srgbClr val="000000"/>
                   </a:solidFill>
@@ -3523,7 +3756,7 @@
             </a:ln>
             <a:extLst>
               <a:ext uri="{91240B29-F687-4f45-9708-019B960494DF}">
-                <a14:hiddenLine xmlns:a14="http://schemas.microsoft.com/office/drawing/2010/main" xmlns="" w="9525">
+                <a14:hiddenLine xmlns="" xmlns:a14="http://schemas.microsoft.com/office/drawing/2010/main" w="9525">
                   <a:solidFill>
                     <a:srgbClr val="000000"/>
                   </a:solidFill>
@@ -3613,7 +3846,7 @@
             </a:ln>
             <a:extLst>
               <a:ext uri="{91240B29-F687-4f45-9708-019B960494DF}">
-                <a14:hiddenLine xmlns:a14="http://schemas.microsoft.com/office/drawing/2010/main" xmlns="" w="9525">
+                <a14:hiddenLine xmlns="" xmlns:a14="http://schemas.microsoft.com/office/drawing/2010/main" w="9525">
                   <a:solidFill>
                     <a:srgbClr val="000000"/>
                   </a:solidFill>
@@ -3703,7 +3936,7 @@
             </a:ln>
             <a:extLst>
               <a:ext uri="{91240B29-F687-4f45-9708-019B960494DF}">
-                <a14:hiddenLine xmlns:a14="http://schemas.microsoft.com/office/drawing/2010/main" xmlns="" w="9525">
+                <a14:hiddenLine xmlns="" xmlns:a14="http://schemas.microsoft.com/office/drawing/2010/main" w="9525">
                   <a:solidFill>
                     <a:srgbClr val="000000"/>
                   </a:solidFill>
@@ -3768,7 +4001,7 @@
             </a:ln>
             <a:extLst>
               <a:ext uri="{91240B29-F687-4f45-9708-019B960494DF}">
-                <a14:hiddenLine xmlns:a14="http://schemas.microsoft.com/office/drawing/2010/main" xmlns="" w="9525">
+                <a14:hiddenLine xmlns="" xmlns:a14="http://schemas.microsoft.com/office/drawing/2010/main" w="9525">
                   <a:solidFill>
                     <a:srgbClr val="000000"/>
                   </a:solidFill>
@@ -3830,7 +4063,7 @@
             </a:ln>
             <a:extLst>
               <a:ext uri="{91240B29-F687-4f45-9708-019B960494DF}">
-                <a14:hiddenLine xmlns:a14="http://schemas.microsoft.com/office/drawing/2010/main" xmlns="" w="9525">
+                <a14:hiddenLine xmlns="" xmlns:a14="http://schemas.microsoft.com/office/drawing/2010/main" w="9525">
                   <a:solidFill>
                     <a:srgbClr val="000000"/>
                   </a:solidFill>
@@ -3920,7 +4153,7 @@
             </a:ln>
             <a:extLst>
               <a:ext uri="{91240B29-F687-4f45-9708-019B960494DF}">
-                <a14:hiddenLine xmlns:a14="http://schemas.microsoft.com/office/drawing/2010/main" xmlns="" w="9525">
+                <a14:hiddenLine xmlns="" xmlns:a14="http://schemas.microsoft.com/office/drawing/2010/main" w="9525">
                   <a:solidFill>
                     <a:srgbClr val="000000"/>
                   </a:solidFill>
@@ -4010,7 +4243,7 @@
             </a:ln>
             <a:extLst>
               <a:ext uri="{91240B29-F687-4f45-9708-019B960494DF}">
-                <a14:hiddenLine xmlns:a14="http://schemas.microsoft.com/office/drawing/2010/main" xmlns="" w="9525">
+                <a14:hiddenLine xmlns="" xmlns:a14="http://schemas.microsoft.com/office/drawing/2010/main" w="9525">
                   <a:solidFill>
                     <a:srgbClr val="000000"/>
                   </a:solidFill>
@@ -4072,7 +4305,7 @@
             </a:ln>
             <a:extLst>
               <a:ext uri="{91240B29-F687-4f45-9708-019B960494DF}">
-                <a14:hiddenLine xmlns:a14="http://schemas.microsoft.com/office/drawing/2010/main" xmlns="" w="9525">
+                <a14:hiddenLine xmlns="" xmlns:a14="http://schemas.microsoft.com/office/drawing/2010/main" w="9525">
                   <a:solidFill>
                     <a:srgbClr val="000000"/>
                   </a:solidFill>
@@ -4192,7 +4425,7 @@
             </a:ln>
             <a:extLst>
               <a:ext uri="{91240B29-F687-4f45-9708-019B960494DF}">
-                <a14:hiddenLine xmlns:a14="http://schemas.microsoft.com/office/drawing/2010/main" xmlns="" w="9525">
+                <a14:hiddenLine xmlns="" xmlns:a14="http://schemas.microsoft.com/office/drawing/2010/main" w="9525">
                   <a:solidFill>
                     <a:srgbClr val="000000"/>
                   </a:solidFill>
@@ -4260,7 +4493,7 @@
             </a:ln>
             <a:extLst>
               <a:ext uri="{91240B29-F687-4f45-9708-019B960494DF}">
-                <a14:hiddenLine xmlns:a14="http://schemas.microsoft.com/office/drawing/2010/main" xmlns="" w="9525">
+                <a14:hiddenLine xmlns="" xmlns:a14="http://schemas.microsoft.com/office/drawing/2010/main" w="9525">
                   <a:solidFill>
                     <a:srgbClr val="000000"/>
                   </a:solidFill>
@@ -4350,7 +4583,7 @@
             </a:ln>
             <a:extLst>
               <a:ext uri="{91240B29-F687-4f45-9708-019B960494DF}">
-                <a14:hiddenLine xmlns:a14="http://schemas.microsoft.com/office/drawing/2010/main" xmlns="" w="9525">
+                <a14:hiddenLine xmlns="" xmlns:a14="http://schemas.microsoft.com/office/drawing/2010/main" w="9525">
                   <a:solidFill>
                     <a:srgbClr val="000000"/>
                   </a:solidFill>
@@ -9079,7 +9312,7 @@
           <a:noFill/>
           <a:extLst>
             <a:ext uri="{909E8E84-426E-40dd-AFC4-6F175D3DCCD1}">
-              <a14:hiddenFill xmlns:a14="http://schemas.microsoft.com/office/drawing/2010/main" xmlns="">
+              <a14:hiddenFill xmlns="" xmlns:a14="http://schemas.microsoft.com/office/drawing/2010/main">
                 <a:solidFill>
                   <a:srgbClr val="FFFFFF"/>
                 </a:solidFill>
@@ -9153,7 +9386,7 @@
               </a:ln>
               <a:extLst>
                 <a:ext uri="{91240B29-F687-4f45-9708-019B960494DF}">
-                  <a14:hiddenLine xmlns:a14="http://schemas.microsoft.com/office/drawing/2010/main" xmlns="" w="9525">
+                  <a14:hiddenLine xmlns="" xmlns:a14="http://schemas.microsoft.com/office/drawing/2010/main" w="9525">
                     <a:solidFill>
                       <a:srgbClr val="000000"/>
                     </a:solidFill>
@@ -9243,7 +9476,7 @@
               </a:ln>
               <a:extLst>
                 <a:ext uri="{91240B29-F687-4f45-9708-019B960494DF}">
-                  <a14:hiddenLine xmlns:a14="http://schemas.microsoft.com/office/drawing/2010/main" xmlns="" w="9525">
+                  <a14:hiddenLine xmlns="" xmlns:a14="http://schemas.microsoft.com/office/drawing/2010/main" w="9525">
                     <a:solidFill>
                       <a:srgbClr val="000000"/>
                     </a:solidFill>
@@ -9333,7 +9566,7 @@
               </a:ln>
               <a:extLst>
                 <a:ext uri="{91240B29-F687-4f45-9708-019B960494DF}">
-                  <a14:hiddenLine xmlns:a14="http://schemas.microsoft.com/office/drawing/2010/main" xmlns="" w="9525">
+                  <a14:hiddenLine xmlns="" xmlns:a14="http://schemas.microsoft.com/office/drawing/2010/main" w="9525">
                     <a:solidFill>
                       <a:srgbClr val="000000"/>
                     </a:solidFill>
@@ -9395,7 +9628,7 @@
               </a:ln>
               <a:extLst>
                 <a:ext uri="{91240B29-F687-4f45-9708-019B960494DF}">
-                  <a14:hiddenLine xmlns:a14="http://schemas.microsoft.com/office/drawing/2010/main" xmlns="" w="9525">
+                  <a14:hiddenLine xmlns="" xmlns:a14="http://schemas.microsoft.com/office/drawing/2010/main" w="9525">
                     <a:solidFill>
                       <a:srgbClr val="000000"/>
                     </a:solidFill>
@@ -9485,7 +9718,7 @@
               </a:ln>
               <a:extLst>
                 <a:ext uri="{91240B29-F687-4f45-9708-019B960494DF}">
-                  <a14:hiddenLine xmlns:a14="http://schemas.microsoft.com/office/drawing/2010/main" xmlns="" w="9525">
+                  <a14:hiddenLine xmlns="" xmlns:a14="http://schemas.microsoft.com/office/drawing/2010/main" w="9525">
                     <a:solidFill>
                       <a:srgbClr val="000000"/>
                     </a:solidFill>
@@ -9547,7 +9780,7 @@
               </a:ln>
               <a:extLst>
                 <a:ext uri="{91240B29-F687-4f45-9708-019B960494DF}">
-                  <a14:hiddenLine xmlns:a14="http://schemas.microsoft.com/office/drawing/2010/main" xmlns="" w="9525">
+                  <a14:hiddenLine xmlns="" xmlns:a14="http://schemas.microsoft.com/office/drawing/2010/main" w="9525">
                     <a:solidFill>
                       <a:srgbClr val="000000"/>
                     </a:solidFill>
@@ -9609,7 +9842,7 @@
               </a:ln>
               <a:extLst>
                 <a:ext uri="{91240B29-F687-4f45-9708-019B960494DF}">
-                  <a14:hiddenLine xmlns:a14="http://schemas.microsoft.com/office/drawing/2010/main" xmlns="" w="9525">
+                  <a14:hiddenLine xmlns="" xmlns:a14="http://schemas.microsoft.com/office/drawing/2010/main" w="9525">
                     <a:solidFill>
                       <a:srgbClr val="000000"/>
                     </a:solidFill>
@@ -9699,7 +9932,7 @@
               </a:ln>
               <a:extLst>
                 <a:ext uri="{91240B29-F687-4f45-9708-019B960494DF}">
-                  <a14:hiddenLine xmlns:a14="http://schemas.microsoft.com/office/drawing/2010/main" xmlns="" w="9525">
+                  <a14:hiddenLine xmlns="" xmlns:a14="http://schemas.microsoft.com/office/drawing/2010/main" w="9525">
                     <a:solidFill>
                       <a:srgbClr val="000000"/>
                     </a:solidFill>
@@ -9789,7 +10022,7 @@
               </a:ln>
               <a:extLst>
                 <a:ext uri="{91240B29-F687-4f45-9708-019B960494DF}">
-                  <a14:hiddenLine xmlns:a14="http://schemas.microsoft.com/office/drawing/2010/main" xmlns="" w="9525">
+                  <a14:hiddenLine xmlns="" xmlns:a14="http://schemas.microsoft.com/office/drawing/2010/main" w="9525">
                     <a:solidFill>
                       <a:srgbClr val="000000"/>
                     </a:solidFill>
@@ -9851,7 +10084,7 @@
               </a:ln>
               <a:extLst>
                 <a:ext uri="{91240B29-F687-4f45-9708-019B960494DF}">
-                  <a14:hiddenLine xmlns:a14="http://schemas.microsoft.com/office/drawing/2010/main" xmlns="" w="9525">
+                  <a14:hiddenLine xmlns="" xmlns:a14="http://schemas.microsoft.com/office/drawing/2010/main" w="9525">
                     <a:solidFill>
                       <a:srgbClr val="000000"/>
                     </a:solidFill>
@@ -9961,7 +10194,7 @@
               </a:ln>
               <a:extLst>
                 <a:ext uri="{91240B29-F687-4f45-9708-019B960494DF}">
-                  <a14:hiddenLine xmlns:a14="http://schemas.microsoft.com/office/drawing/2010/main" xmlns="" w="9525">
+                  <a14:hiddenLine xmlns="" xmlns:a14="http://schemas.microsoft.com/office/drawing/2010/main" w="9525">
                     <a:solidFill>
                       <a:srgbClr val="000000"/>
                     </a:solidFill>
@@ -10045,7 +10278,7 @@
               </a:ln>
               <a:extLst>
                 <a:ext uri="{91240B29-F687-4f45-9708-019B960494DF}">
-                  <a14:hiddenLine xmlns:a14="http://schemas.microsoft.com/office/drawing/2010/main" xmlns="" w="9525">
+                  <a14:hiddenLine xmlns="" xmlns:a14="http://schemas.microsoft.com/office/drawing/2010/main" w="9525">
                     <a:solidFill>
                       <a:srgbClr val="000000"/>
                     </a:solidFill>
@@ -10107,7 +10340,7 @@
               </a:ln>
               <a:extLst>
                 <a:ext uri="{91240B29-F687-4f45-9708-019B960494DF}">
-                  <a14:hiddenLine xmlns:a14="http://schemas.microsoft.com/office/drawing/2010/main" xmlns="" w="9525">
+                  <a14:hiddenLine xmlns="" xmlns:a14="http://schemas.microsoft.com/office/drawing/2010/main" w="9525">
                     <a:solidFill>
                       <a:srgbClr val="000000"/>
                     </a:solidFill>
@@ -10169,7 +10402,7 @@
               </a:ln>
               <a:extLst>
                 <a:ext uri="{91240B29-F687-4f45-9708-019B960494DF}">
-                  <a14:hiddenLine xmlns:a14="http://schemas.microsoft.com/office/drawing/2010/main" xmlns="" w="9525">
+                  <a14:hiddenLine xmlns="" xmlns:a14="http://schemas.microsoft.com/office/drawing/2010/main" w="9525">
                     <a:solidFill>
                       <a:srgbClr val="000000"/>
                     </a:solidFill>
@@ -10259,7 +10492,7 @@
               </a:ln>
               <a:extLst>
                 <a:ext uri="{91240B29-F687-4f45-9708-019B960494DF}">
-                  <a14:hiddenLine xmlns:a14="http://schemas.microsoft.com/office/drawing/2010/main" xmlns="" w="9525">
+                  <a14:hiddenLine xmlns="" xmlns:a14="http://schemas.microsoft.com/office/drawing/2010/main" w="9525">
                     <a:solidFill>
                       <a:srgbClr val="000000"/>
                     </a:solidFill>
@@ -10293,7 +10526,7 @@
               </a:ln>
               <a:extLst>
                 <a:ext uri="{91240B29-F687-4f45-9708-019B960494DF}">
-                  <a14:hiddenLine xmlns:a14="http://schemas.microsoft.com/office/drawing/2010/main" xmlns="" w="9525">
+                  <a14:hiddenLine xmlns="" xmlns:a14="http://schemas.microsoft.com/office/drawing/2010/main" w="9525">
                     <a:solidFill>
                       <a:srgbClr val="000000"/>
                     </a:solidFill>
@@ -10358,7 +10591,7 @@
               </a:ln>
               <a:extLst>
                 <a:ext uri="{91240B29-F687-4f45-9708-019B960494DF}">
-                  <a14:hiddenLine xmlns:a14="http://schemas.microsoft.com/office/drawing/2010/main" xmlns="" w="9525">
+                  <a14:hiddenLine xmlns="" xmlns:a14="http://schemas.microsoft.com/office/drawing/2010/main" w="9525">
                     <a:solidFill>
                       <a:srgbClr val="000000"/>
                     </a:solidFill>
@@ -10448,7 +10681,7 @@
               </a:ln>
               <a:extLst>
                 <a:ext uri="{91240B29-F687-4f45-9708-019B960494DF}">
-                  <a14:hiddenLine xmlns:a14="http://schemas.microsoft.com/office/drawing/2010/main" xmlns="" w="9525">
+                  <a14:hiddenLine xmlns="" xmlns:a14="http://schemas.microsoft.com/office/drawing/2010/main" w="9525">
                     <a:solidFill>
                       <a:srgbClr val="000000"/>
                     </a:solidFill>
@@ -10510,7 +10743,7 @@
               </a:ln>
               <a:extLst>
                 <a:ext uri="{91240B29-F687-4f45-9708-019B960494DF}">
-                  <a14:hiddenLine xmlns:a14="http://schemas.microsoft.com/office/drawing/2010/main" xmlns="" w="9525">
+                  <a14:hiddenLine xmlns="" xmlns:a14="http://schemas.microsoft.com/office/drawing/2010/main" w="9525">
                     <a:solidFill>
                       <a:srgbClr val="000000"/>
                     </a:solidFill>
@@ -10600,7 +10833,7 @@
               </a:ln>
               <a:extLst>
                 <a:ext uri="{91240B29-F687-4f45-9708-019B960494DF}">
-                  <a14:hiddenLine xmlns:a14="http://schemas.microsoft.com/office/drawing/2010/main" xmlns="" w="9525">
+                  <a14:hiddenLine xmlns="" xmlns:a14="http://schemas.microsoft.com/office/drawing/2010/main" w="9525">
                     <a:solidFill>
                       <a:srgbClr val="000000"/>
                     </a:solidFill>
@@ -10665,7 +10898,7 @@
               </a:ln>
               <a:extLst>
                 <a:ext uri="{91240B29-F687-4f45-9708-019B960494DF}">
-                  <a14:hiddenLine xmlns:a14="http://schemas.microsoft.com/office/drawing/2010/main" xmlns="" w="9525">
+                  <a14:hiddenLine xmlns="" xmlns:a14="http://schemas.microsoft.com/office/drawing/2010/main" w="9525">
                     <a:solidFill>
                       <a:srgbClr val="000000"/>
                     </a:solidFill>
@@ -10727,7 +10960,7 @@
               </a:ln>
               <a:extLst>
                 <a:ext uri="{91240B29-F687-4f45-9708-019B960494DF}">
-                  <a14:hiddenLine xmlns:a14="http://schemas.microsoft.com/office/drawing/2010/main" xmlns="" w="9525">
+                  <a14:hiddenLine xmlns="" xmlns:a14="http://schemas.microsoft.com/office/drawing/2010/main" w="9525">
                     <a:solidFill>
                       <a:srgbClr val="000000"/>
                     </a:solidFill>
@@ -10817,7 +11050,7 @@
               </a:ln>
               <a:extLst>
                 <a:ext uri="{91240B29-F687-4f45-9708-019B960494DF}">
-                  <a14:hiddenLine xmlns:a14="http://schemas.microsoft.com/office/drawing/2010/main" xmlns="" w="9525">
+                  <a14:hiddenLine xmlns="" xmlns:a14="http://schemas.microsoft.com/office/drawing/2010/main" w="9525">
                     <a:solidFill>
                       <a:srgbClr val="000000"/>
                     </a:solidFill>
@@ -10907,7 +11140,7 @@
               </a:ln>
               <a:extLst>
                 <a:ext uri="{91240B29-F687-4f45-9708-019B960494DF}">
-                  <a14:hiddenLine xmlns:a14="http://schemas.microsoft.com/office/drawing/2010/main" xmlns="" w="9525">
+                  <a14:hiddenLine xmlns="" xmlns:a14="http://schemas.microsoft.com/office/drawing/2010/main" w="9525">
                     <a:solidFill>
                       <a:srgbClr val="000000"/>
                     </a:solidFill>
@@ -10972,7 +11205,7 @@
               </a:ln>
               <a:extLst>
                 <a:ext uri="{91240B29-F687-4f45-9708-019B960494DF}">
-                  <a14:hiddenLine xmlns:a14="http://schemas.microsoft.com/office/drawing/2010/main" xmlns="" w="9525">
+                  <a14:hiddenLine xmlns="" xmlns:a14="http://schemas.microsoft.com/office/drawing/2010/main" w="9525">
                     <a:solidFill>
                       <a:srgbClr val="000000"/>
                     </a:solidFill>
@@ -11092,7 +11325,7 @@
               </a:ln>
               <a:extLst>
                 <a:ext uri="{91240B29-F687-4f45-9708-019B960494DF}">
-                  <a14:hiddenLine xmlns:a14="http://schemas.microsoft.com/office/drawing/2010/main" xmlns="" w="9525">
+                  <a14:hiddenLine xmlns="" xmlns:a14="http://schemas.microsoft.com/office/drawing/2010/main" w="9525">
                     <a:solidFill>
                       <a:srgbClr val="000000"/>
                     </a:solidFill>
@@ -11173,7 +11406,7 @@
               </a:ln>
               <a:extLst>
                 <a:ext uri="{91240B29-F687-4f45-9708-019B960494DF}">
-                  <a14:hiddenLine xmlns:a14="http://schemas.microsoft.com/office/drawing/2010/main" xmlns="" w="9525">
+                  <a14:hiddenLine xmlns="" xmlns:a14="http://schemas.microsoft.com/office/drawing/2010/main" w="9525">
                     <a:solidFill>
                       <a:srgbClr val="000000"/>
                     </a:solidFill>
@@ -11288,7 +11521,7 @@
               </a:ln>
               <a:extLst>
                 <a:ext uri="{91240B29-F687-4f45-9708-019B960494DF}">
-                  <a14:hiddenLine xmlns:a14="http://schemas.microsoft.com/office/drawing/2010/main" xmlns="" w="9525">
+                  <a14:hiddenLine xmlns="" xmlns:a14="http://schemas.microsoft.com/office/drawing/2010/main" w="9525">
                     <a:solidFill>
                       <a:srgbClr val="000000"/>
                     </a:solidFill>
@@ -11378,7 +11611,7 @@
               </a:ln>
               <a:extLst>
                 <a:ext uri="{91240B29-F687-4f45-9708-019B960494DF}">
-                  <a14:hiddenLine xmlns:a14="http://schemas.microsoft.com/office/drawing/2010/main" xmlns="" w="9525">
+                  <a14:hiddenLine xmlns="" xmlns:a14="http://schemas.microsoft.com/office/drawing/2010/main" w="9525">
                     <a:solidFill>
                       <a:srgbClr val="000000"/>
                     </a:solidFill>
@@ -11443,7 +11676,7 @@
               </a:ln>
               <a:extLst>
                 <a:ext uri="{91240B29-F687-4f45-9708-019B960494DF}">
-                  <a14:hiddenLine xmlns:a14="http://schemas.microsoft.com/office/drawing/2010/main" xmlns="" w="9525">
+                  <a14:hiddenLine xmlns="" xmlns:a14="http://schemas.microsoft.com/office/drawing/2010/main" w="9525">
                     <a:solidFill>
                       <a:srgbClr val="000000"/>
                     </a:solidFill>
@@ -11533,7 +11766,7 @@
               </a:ln>
               <a:extLst>
                 <a:ext uri="{91240B29-F687-4f45-9708-019B960494DF}">
-                  <a14:hiddenLine xmlns:a14="http://schemas.microsoft.com/office/drawing/2010/main" xmlns="" w="9525">
+                  <a14:hiddenLine xmlns="" xmlns:a14="http://schemas.microsoft.com/office/drawing/2010/main" w="9525">
                     <a:solidFill>
                       <a:srgbClr val="000000"/>
                     </a:solidFill>
@@ -11601,7 +11834,7 @@
               </a:ln>
               <a:extLst>
                 <a:ext uri="{91240B29-F687-4f45-9708-019B960494DF}">
-                  <a14:hiddenLine xmlns:a14="http://schemas.microsoft.com/office/drawing/2010/main" xmlns="" w="9525">
+                  <a14:hiddenLine xmlns="" xmlns:a14="http://schemas.microsoft.com/office/drawing/2010/main" w="9525">
                     <a:solidFill>
                       <a:srgbClr val="000000"/>
                     </a:solidFill>
@@ -11691,7 +11924,7 @@
               </a:ln>
               <a:extLst>
                 <a:ext uri="{91240B29-F687-4f45-9708-019B960494DF}">
-                  <a14:hiddenLine xmlns:a14="http://schemas.microsoft.com/office/drawing/2010/main" xmlns="" w="9525">
+                  <a14:hiddenLine xmlns="" xmlns:a14="http://schemas.microsoft.com/office/drawing/2010/main" w="9525">
                     <a:solidFill>
                       <a:srgbClr val="000000"/>
                     </a:solidFill>
@@ -11759,7 +11992,7 @@
               </a:ln>
               <a:extLst>
                 <a:ext uri="{91240B29-F687-4f45-9708-019B960494DF}">
-                  <a14:hiddenLine xmlns:a14="http://schemas.microsoft.com/office/drawing/2010/main" xmlns="" w="9525">
+                  <a14:hiddenLine xmlns="" xmlns:a14="http://schemas.microsoft.com/office/drawing/2010/main" w="9525">
                     <a:solidFill>
                       <a:srgbClr val="000000"/>
                     </a:solidFill>
@@ -11849,7 +12082,7 @@
               </a:ln>
               <a:extLst>
                 <a:ext uri="{91240B29-F687-4f45-9708-019B960494DF}">
-                  <a14:hiddenLine xmlns:a14="http://schemas.microsoft.com/office/drawing/2010/main" xmlns="" w="9525">
+                  <a14:hiddenLine xmlns="" xmlns:a14="http://schemas.microsoft.com/office/drawing/2010/main" w="9525">
                     <a:solidFill>
                       <a:srgbClr val="000000"/>
                     </a:solidFill>
@@ -11883,7 +12116,7 @@
               </a:ln>
               <a:extLst>
                 <a:ext uri="{91240B29-F687-4f45-9708-019B960494DF}">
-                  <a14:hiddenLine xmlns:a14="http://schemas.microsoft.com/office/drawing/2010/main" xmlns="" w="9525">
+                  <a14:hiddenLine xmlns="" xmlns:a14="http://schemas.microsoft.com/office/drawing/2010/main" w="9525">
                     <a:solidFill>
                       <a:srgbClr val="000000"/>
                     </a:solidFill>
@@ -12588,7 +12821,7 @@
           <a:p>
             <a:r>
               <a:rPr lang="en-US" sz="2800" dirty="0"/>
-              <a:t>C program to find Upper and Lower Triangular Matrix.</a:t>
+              <a:t>C Program to find Upper and Lower Triangular Matrix</a:t>
             </a:r>
             <a:endParaRPr lang="en-IN" sz="2800" dirty="0"/>
           </a:p>
@@ -12870,18 +13103,62 @@
         </p:nvSpPr>
         <p:spPr>
           <a:xfrm>
-            <a:off x="1571719" y="681271"/>
+            <a:off x="2115672" y="779883"/>
             <a:ext cx="9905998" cy="1478570"/>
           </a:xfrm>
         </p:spPr>
         <p:txBody>
-          <a:bodyPr/>
+          <a:bodyPr>
+            <a:normAutofit/>
+          </a:bodyPr>
           <a:lstStyle/>
           <a:p>
             <a:r>
               <a:rPr lang="en-IN" dirty="0"/>
               <a:t>INTRODUCTION</a:t>
             </a:r>
+          </a:p>
+        </p:txBody>
+      </p:sp>
+      <p:sp>
+        <p:nvSpPr>
+          <p:cNvPr id="3" name="TextBox 2">
+            <a:extLst>
+              <a:ext uri="{FF2B5EF4-FFF2-40B4-BE49-F238E27FC236}">
+                <a16:creationId xmlns:a16="http://schemas.microsoft.com/office/drawing/2014/main" id="{E0645D6C-C7D4-425B-8E1D-F2D536DAB172}"/>
+              </a:ext>
+            </a:extLst>
+          </p:cNvPr>
+          <p:cNvSpPr txBox="1"/>
+          <p:nvPr/>
+        </p:nvSpPr>
+        <p:spPr>
+          <a:xfrm>
+            <a:off x="2115672" y="2052916"/>
+            <a:ext cx="6481482" cy="3416320"/>
+          </a:xfrm>
+          <a:prstGeom prst="rect">
+            <a:avLst/>
+          </a:prstGeom>
+          <a:noFill/>
+        </p:spPr>
+        <p:txBody>
+          <a:bodyPr wrap="square" rtlCol="0">
+            <a:spAutoFit/>
+          </a:bodyPr>
+          <a:lstStyle/>
+          <a:p>
+            <a:r>
+              <a:rPr lang="en-US" sz="2400" dirty="0"/>
+              <a:t>As we were asked to write a C program to find upper and lower triangular matrix, we have designed an algorithm and particularly written a code for it. The Algorithm created is tested for different sample test cases for time complexity and space complexity. </a:t>
+            </a:r>
+          </a:p>
+          <a:p>
+            <a:r>
+              <a:rPr lang="en-US" sz="2400" dirty="0"/>
+              <a:t>We have discussed in brief about the algorithm created, time complexity for the code and space complexity, in the upcoming slides.</a:t>
+            </a:r>
+            <a:endParaRPr lang="en-IN" sz="2400" dirty="0"/>
           </a:p>
         </p:txBody>
       </p:sp>
@@ -12933,17 +13210,19 @@
         </p:nvSpPr>
         <p:spPr>
           <a:xfrm>
-            <a:off x="1580684" y="618518"/>
-            <a:ext cx="9905998" cy="1478570"/>
+            <a:off x="2620587" y="453019"/>
+            <a:ext cx="9905999" cy="1478570"/>
           </a:xfrm>
         </p:spPr>
         <p:txBody>
-          <a:bodyPr/>
+          <a:bodyPr>
+            <a:normAutofit/>
+          </a:bodyPr>
           <a:lstStyle/>
           <a:p>
             <a:r>
               <a:rPr lang="en-IN" dirty="0"/>
-              <a:t>Contents -</a:t>
+              <a:t>Contents </a:t>
             </a:r>
           </a:p>
         </p:txBody>
@@ -12966,7 +13245,7 @@
         </p:nvSpPr>
         <p:spPr>
           <a:xfrm>
-            <a:off x="1580683" y="2097088"/>
+            <a:off x="2620587" y="2123982"/>
             <a:ext cx="9905999" cy="3541714"/>
           </a:xfrm>
         </p:spPr>
@@ -12990,16 +13269,6 @@
             </a:pPr>
             <a:r>
               <a:rPr lang="en-IN" dirty="0"/>
-              <a:t>AL</a:t>
-            </a:r>
-          </a:p>
-          <a:p>
-            <a:pPr marL="457200" indent="-457200">
-              <a:buFont typeface="+mj-lt"/>
-              <a:buAutoNum type="arabicPeriod"/>
-            </a:pPr>
-            <a:r>
-              <a:rPr lang="en-IN" dirty="0"/>
               <a:t>ALGORITHM</a:t>
             </a:r>
           </a:p>
@@ -13020,6 +13289,16 @@
             </a:pPr>
             <a:r>
               <a:rPr lang="en-IN" dirty="0"/>
+              <a:t>SPACE COMPLEXITY</a:t>
+            </a:r>
+          </a:p>
+          <a:p>
+            <a:pPr marL="457200" indent="-457200">
+              <a:buFont typeface="+mj-lt"/>
+              <a:buAutoNum type="arabicPeriod"/>
+            </a:pPr>
+            <a:r>
+              <a:rPr lang="en-IN" dirty="0"/>
               <a:t>CONCLUSION </a:t>
             </a:r>
           </a:p>
@@ -13052,6 +13331,614 @@
     <p:extLst>
       <p:ext uri="{BB962C8B-B14F-4D97-AF65-F5344CB8AC3E}">
         <p14:creationId xmlns:p14="http://schemas.microsoft.com/office/powerpoint/2010/main" val="648782320"/>
+      </p:ext>
+    </p:extLst>
+  </p:cSld>
+  <p:clrMapOvr>
+    <a:masterClrMapping/>
+  </p:clrMapOvr>
+</p:sld>
+</file>
+
+<file path=ppt/slides/slide4.xml><?xml version="1.0" encoding="utf-8"?>
+<p:sld xmlns:a="http://schemas.openxmlformats.org/drawingml/2006/main" xmlns:r="http://schemas.openxmlformats.org/officeDocument/2006/relationships" xmlns:p="http://schemas.openxmlformats.org/presentationml/2006/main">
+  <p:cSld>
+    <p:spTree>
+      <p:nvGrpSpPr>
+        <p:cNvPr id="1" name=""/>
+        <p:cNvGrpSpPr/>
+        <p:nvPr/>
+      </p:nvGrpSpPr>
+      <p:grpSpPr>
+        <a:xfrm>
+          <a:off x="0" y="0"/>
+          <a:ext cx="0" cy="0"/>
+          <a:chOff x="0" y="0"/>
+          <a:chExt cx="0" cy="0"/>
+        </a:xfrm>
+      </p:grpSpPr>
+      <p:sp>
+        <p:nvSpPr>
+          <p:cNvPr id="2" name="Title 1">
+            <a:extLst>
+              <a:ext uri="{FF2B5EF4-FFF2-40B4-BE49-F238E27FC236}">
+                <a16:creationId xmlns:a16="http://schemas.microsoft.com/office/drawing/2014/main" id="{6E6CF946-D281-41E8-B853-78510FE5FCD7}"/>
+              </a:ext>
+            </a:extLst>
+          </p:cNvPr>
+          <p:cNvSpPr>
+            <a:spLocks noGrp="1"/>
+          </p:cNvSpPr>
+          <p:nvPr>
+            <p:ph type="ctrTitle"/>
+          </p:nvPr>
+        </p:nvSpPr>
+        <p:spPr>
+          <a:xfrm>
+            <a:off x="2880471" y="826527"/>
+            <a:ext cx="8791575" cy="1082955"/>
+          </a:xfrm>
+        </p:spPr>
+        <p:txBody>
+          <a:bodyPr>
+            <a:normAutofit/>
+          </a:bodyPr>
+          <a:lstStyle/>
+          <a:p>
+            <a:r>
+              <a:rPr lang="en-IN" sz="3600" dirty="0"/>
+              <a:t>PROBLEM STATEMENT</a:t>
+            </a:r>
+          </a:p>
+        </p:txBody>
+      </p:sp>
+      <p:sp>
+        <p:nvSpPr>
+          <p:cNvPr id="3" name="Subtitle 2">
+            <a:extLst>
+              <a:ext uri="{FF2B5EF4-FFF2-40B4-BE49-F238E27FC236}">
+                <a16:creationId xmlns:a16="http://schemas.microsoft.com/office/drawing/2014/main" id="{DF7E1040-D530-42C4-A5A6-A36FD17EEB8F}"/>
+              </a:ext>
+            </a:extLst>
+          </p:cNvPr>
+          <p:cNvSpPr>
+            <a:spLocks noGrp="1"/>
+          </p:cNvSpPr>
+          <p:nvPr>
+            <p:ph type="subTitle" idx="1"/>
+          </p:nvPr>
+        </p:nvSpPr>
+        <p:spPr>
+          <a:xfrm>
+            <a:off x="2880471" y="2601119"/>
+            <a:ext cx="5994588" cy="1655762"/>
+          </a:xfrm>
+        </p:spPr>
+        <p:txBody>
+          <a:bodyPr/>
+          <a:lstStyle/>
+          <a:p>
+            <a:r>
+              <a:rPr lang="en-US" sz="2800" dirty="0">
+                <a:solidFill>
+                  <a:schemeClr val="accent6">
+                    <a:lumMod val="60000"/>
+                    <a:lumOff val="40000"/>
+                  </a:schemeClr>
+                </a:solidFill>
+              </a:rPr>
+              <a:t>WRITE A C program to find Upper and Lower Triangular Matrix.</a:t>
+            </a:r>
+            <a:endParaRPr lang="en-IN" sz="2800" dirty="0">
+              <a:solidFill>
+                <a:schemeClr val="accent6">
+                  <a:lumMod val="60000"/>
+                  <a:lumOff val="40000"/>
+                </a:schemeClr>
+              </a:solidFill>
+            </a:endParaRPr>
+          </a:p>
+          <a:p>
+            <a:endParaRPr lang="en-IN" dirty="0"/>
+          </a:p>
+        </p:txBody>
+      </p:sp>
+    </p:spTree>
+    <p:extLst>
+      <p:ext uri="{BB962C8B-B14F-4D97-AF65-F5344CB8AC3E}">
+        <p14:creationId xmlns:p14="http://schemas.microsoft.com/office/powerpoint/2010/main" val="283000038"/>
+      </p:ext>
+    </p:extLst>
+  </p:cSld>
+  <p:clrMapOvr>
+    <a:masterClrMapping/>
+  </p:clrMapOvr>
+</p:sld>
+</file>
+
+<file path=ppt/slides/slide5.xml><?xml version="1.0" encoding="utf-8"?>
+<p:sld xmlns:a="http://schemas.openxmlformats.org/drawingml/2006/main" xmlns:r="http://schemas.openxmlformats.org/officeDocument/2006/relationships" xmlns:p="http://schemas.openxmlformats.org/presentationml/2006/main">
+  <p:cSld>
+    <p:spTree>
+      <p:nvGrpSpPr>
+        <p:cNvPr id="1" name=""/>
+        <p:cNvGrpSpPr/>
+        <p:nvPr/>
+      </p:nvGrpSpPr>
+      <p:grpSpPr>
+        <a:xfrm>
+          <a:off x="0" y="0"/>
+          <a:ext cx="0" cy="0"/>
+          <a:chOff x="0" y="0"/>
+          <a:chExt cx="0" cy="0"/>
+        </a:xfrm>
+      </p:grpSpPr>
+      <p:sp>
+        <p:nvSpPr>
+          <p:cNvPr id="2" name="Title 1">
+            <a:extLst>
+              <a:ext uri="{FF2B5EF4-FFF2-40B4-BE49-F238E27FC236}">
+                <a16:creationId xmlns:a16="http://schemas.microsoft.com/office/drawing/2014/main" id="{C0979501-8AB7-4BFC-AC33-837738CEEFC3}"/>
+              </a:ext>
+            </a:extLst>
+          </p:cNvPr>
+          <p:cNvSpPr>
+            <a:spLocks noGrp="1"/>
+          </p:cNvSpPr>
+          <p:nvPr>
+            <p:ph type="title"/>
+          </p:nvPr>
+        </p:nvSpPr>
+        <p:spPr>
+          <a:xfrm>
+            <a:off x="1616543" y="618518"/>
+            <a:ext cx="9905998" cy="1013058"/>
+          </a:xfrm>
+        </p:spPr>
+        <p:txBody>
+          <a:bodyPr>
+            <a:normAutofit/>
+          </a:bodyPr>
+          <a:lstStyle/>
+          <a:p>
+            <a:r>
+              <a:rPr lang="en-US" dirty="0"/>
+              <a:t>ALGORITHM</a:t>
+            </a:r>
+            <a:endParaRPr lang="en-IN" dirty="0"/>
+          </a:p>
+        </p:txBody>
+      </p:sp>
+      <p:sp>
+        <p:nvSpPr>
+          <p:cNvPr id="3" name="Content Placeholder 2">
+            <a:extLst>
+              <a:ext uri="{FF2B5EF4-FFF2-40B4-BE49-F238E27FC236}">
+                <a16:creationId xmlns:a16="http://schemas.microsoft.com/office/drawing/2014/main" id="{552FC10F-ADB3-444D-B1F0-1EE0555EE304}"/>
+              </a:ext>
+            </a:extLst>
+          </p:cNvPr>
+          <p:cNvSpPr>
+            <a:spLocks noGrp="1"/>
+          </p:cNvSpPr>
+          <p:nvPr>
+            <p:ph idx="1"/>
+          </p:nvPr>
+        </p:nvSpPr>
+        <p:spPr>
+          <a:xfrm>
+            <a:off x="1616543" y="1765393"/>
+            <a:ext cx="9905999" cy="3541714"/>
+          </a:xfrm>
+        </p:spPr>
+        <p:txBody>
+          <a:bodyPr/>
+          <a:lstStyle/>
+          <a:p>
+            <a:pPr marL="0" indent="0">
+              <a:buNone/>
+            </a:pPr>
+            <a:endParaRPr lang="en-IN" dirty="0"/>
+          </a:p>
+        </p:txBody>
+      </p:sp>
+    </p:spTree>
+    <p:extLst>
+      <p:ext uri="{BB962C8B-B14F-4D97-AF65-F5344CB8AC3E}">
+        <p14:creationId xmlns:p14="http://schemas.microsoft.com/office/powerpoint/2010/main" val="2032010797"/>
+      </p:ext>
+    </p:extLst>
+  </p:cSld>
+  <p:clrMapOvr>
+    <a:masterClrMapping/>
+  </p:clrMapOvr>
+</p:sld>
+</file>
+
+<file path=ppt/slides/slide6.xml><?xml version="1.0" encoding="utf-8"?>
+<p:sld xmlns:a="http://schemas.openxmlformats.org/drawingml/2006/main" xmlns:r="http://schemas.openxmlformats.org/officeDocument/2006/relationships" xmlns:p="http://schemas.openxmlformats.org/presentationml/2006/main">
+  <p:cSld>
+    <p:spTree>
+      <p:nvGrpSpPr>
+        <p:cNvPr id="1" name=""/>
+        <p:cNvGrpSpPr/>
+        <p:nvPr/>
+      </p:nvGrpSpPr>
+      <p:grpSpPr>
+        <a:xfrm>
+          <a:off x="0" y="0"/>
+          <a:ext cx="0" cy="0"/>
+          <a:chOff x="0" y="0"/>
+          <a:chExt cx="0" cy="0"/>
+        </a:xfrm>
+      </p:grpSpPr>
+      <p:sp>
+        <p:nvSpPr>
+          <p:cNvPr id="2" name="Title 1">
+            <a:extLst>
+              <a:ext uri="{FF2B5EF4-FFF2-40B4-BE49-F238E27FC236}">
+                <a16:creationId xmlns:a16="http://schemas.microsoft.com/office/drawing/2014/main" id="{25C83C72-E067-4C96-9839-108CB0923BBC}"/>
+              </a:ext>
+            </a:extLst>
+          </p:cNvPr>
+          <p:cNvSpPr>
+            <a:spLocks noGrp="1"/>
+          </p:cNvSpPr>
+          <p:nvPr>
+            <p:ph type="title"/>
+          </p:nvPr>
+        </p:nvSpPr>
+        <p:spPr>
+          <a:xfrm>
+            <a:off x="1616542" y="708165"/>
+            <a:ext cx="9905998" cy="1075811"/>
+          </a:xfrm>
+        </p:spPr>
+        <p:txBody>
+          <a:bodyPr>
+            <a:normAutofit/>
+          </a:bodyPr>
+          <a:lstStyle/>
+          <a:p>
+            <a:r>
+              <a:rPr lang="en-US" dirty="0"/>
+              <a:t>TIME COMPLEXITY</a:t>
+            </a:r>
+            <a:endParaRPr lang="en-IN" dirty="0"/>
+          </a:p>
+        </p:txBody>
+      </p:sp>
+      <p:sp>
+        <p:nvSpPr>
+          <p:cNvPr id="3" name="Content Placeholder 2">
+            <a:extLst>
+              <a:ext uri="{FF2B5EF4-FFF2-40B4-BE49-F238E27FC236}">
+                <a16:creationId xmlns:a16="http://schemas.microsoft.com/office/drawing/2014/main" id="{BE16AF5B-AEF8-4C47-9999-051C03F5B4DE}"/>
+              </a:ext>
+            </a:extLst>
+          </p:cNvPr>
+          <p:cNvSpPr>
+            <a:spLocks noGrp="1"/>
+          </p:cNvSpPr>
+          <p:nvPr>
+            <p:ph idx="1"/>
+          </p:nvPr>
+        </p:nvSpPr>
+        <p:spPr>
+          <a:xfrm>
+            <a:off x="1616541" y="2249487"/>
+            <a:ext cx="9905999" cy="3541714"/>
+          </a:xfrm>
+        </p:spPr>
+        <p:txBody>
+          <a:bodyPr/>
+          <a:lstStyle/>
+          <a:p>
+            <a:pPr marL="0" indent="0">
+              <a:buNone/>
+            </a:pPr>
+            <a:endParaRPr lang="en-IN" dirty="0"/>
+          </a:p>
+        </p:txBody>
+      </p:sp>
+    </p:spTree>
+    <p:extLst>
+      <p:ext uri="{BB962C8B-B14F-4D97-AF65-F5344CB8AC3E}">
+        <p14:creationId xmlns:p14="http://schemas.microsoft.com/office/powerpoint/2010/main" val="3598835409"/>
+      </p:ext>
+    </p:extLst>
+  </p:cSld>
+  <p:clrMapOvr>
+    <a:masterClrMapping/>
+  </p:clrMapOvr>
+</p:sld>
+</file>
+
+<file path=ppt/slides/slide7.xml><?xml version="1.0" encoding="utf-8"?>
+<p:sld xmlns:a="http://schemas.openxmlformats.org/drawingml/2006/main" xmlns:r="http://schemas.openxmlformats.org/officeDocument/2006/relationships" xmlns:p="http://schemas.openxmlformats.org/presentationml/2006/main">
+  <p:cSld>
+    <p:spTree>
+      <p:nvGrpSpPr>
+        <p:cNvPr id="1" name=""/>
+        <p:cNvGrpSpPr/>
+        <p:nvPr/>
+      </p:nvGrpSpPr>
+      <p:grpSpPr>
+        <a:xfrm>
+          <a:off x="0" y="0"/>
+          <a:ext cx="0" cy="0"/>
+          <a:chOff x="0" y="0"/>
+          <a:chExt cx="0" cy="0"/>
+        </a:xfrm>
+      </p:grpSpPr>
+      <p:sp>
+        <p:nvSpPr>
+          <p:cNvPr id="2" name="Title 1">
+            <a:extLst>
+              <a:ext uri="{FF2B5EF4-FFF2-40B4-BE49-F238E27FC236}">
+                <a16:creationId xmlns:a16="http://schemas.microsoft.com/office/drawing/2014/main" id="{CDA3E519-0591-47C2-B763-9062DC1A6F1E}"/>
+              </a:ext>
+            </a:extLst>
+          </p:cNvPr>
+          <p:cNvSpPr>
+            <a:spLocks noGrp="1"/>
+          </p:cNvSpPr>
+          <p:nvPr>
+            <p:ph type="title"/>
+          </p:nvPr>
+        </p:nvSpPr>
+        <p:spPr>
+          <a:xfrm>
+            <a:off x="1589648" y="708165"/>
+            <a:ext cx="9905998" cy="977200"/>
+          </a:xfrm>
+        </p:spPr>
+        <p:txBody>
+          <a:bodyPr/>
+          <a:lstStyle/>
+          <a:p>
+            <a:r>
+              <a:rPr lang="en-US" dirty="0"/>
+              <a:t>SPACE COMPLEXITY</a:t>
+            </a:r>
+            <a:endParaRPr lang="en-IN" dirty="0"/>
+          </a:p>
+        </p:txBody>
+      </p:sp>
+      <p:sp>
+        <p:nvSpPr>
+          <p:cNvPr id="3" name="Content Placeholder 2">
+            <a:extLst>
+              <a:ext uri="{FF2B5EF4-FFF2-40B4-BE49-F238E27FC236}">
+                <a16:creationId xmlns:a16="http://schemas.microsoft.com/office/drawing/2014/main" id="{4BE6D68A-1203-4BAB-900F-34534C7E7128}"/>
+              </a:ext>
+            </a:extLst>
+          </p:cNvPr>
+          <p:cNvSpPr>
+            <a:spLocks noGrp="1"/>
+          </p:cNvSpPr>
+          <p:nvPr>
+            <p:ph idx="1"/>
+          </p:nvPr>
+        </p:nvSpPr>
+        <p:spPr>
+          <a:xfrm>
+            <a:off x="1589648" y="2159840"/>
+            <a:ext cx="9905999" cy="3541714"/>
+          </a:xfrm>
+        </p:spPr>
+        <p:txBody>
+          <a:bodyPr/>
+          <a:lstStyle/>
+          <a:p>
+            <a:pPr marL="0" indent="0">
+              <a:buNone/>
+            </a:pPr>
+            <a:endParaRPr lang="en-IN" dirty="0"/>
+          </a:p>
+        </p:txBody>
+      </p:sp>
+    </p:spTree>
+    <p:extLst>
+      <p:ext uri="{BB962C8B-B14F-4D97-AF65-F5344CB8AC3E}">
+        <p14:creationId xmlns:p14="http://schemas.microsoft.com/office/powerpoint/2010/main" val="3535352352"/>
+      </p:ext>
+    </p:extLst>
+  </p:cSld>
+  <p:clrMapOvr>
+    <a:masterClrMapping/>
+  </p:clrMapOvr>
+</p:sld>
+</file>
+
+<file path=ppt/slides/slide8.xml><?xml version="1.0" encoding="utf-8"?>
+<p:sld xmlns:a="http://schemas.openxmlformats.org/drawingml/2006/main" xmlns:r="http://schemas.openxmlformats.org/officeDocument/2006/relationships" xmlns:p="http://schemas.openxmlformats.org/presentationml/2006/main">
+  <p:cSld>
+    <p:spTree>
+      <p:nvGrpSpPr>
+        <p:cNvPr id="1" name=""/>
+        <p:cNvGrpSpPr/>
+        <p:nvPr/>
+      </p:nvGrpSpPr>
+      <p:grpSpPr>
+        <a:xfrm>
+          <a:off x="0" y="0"/>
+          <a:ext cx="0" cy="0"/>
+          <a:chOff x="0" y="0"/>
+          <a:chExt cx="0" cy="0"/>
+        </a:xfrm>
+      </p:grpSpPr>
+      <p:sp>
+        <p:nvSpPr>
+          <p:cNvPr id="2" name="Title 1">
+            <a:extLst>
+              <a:ext uri="{FF2B5EF4-FFF2-40B4-BE49-F238E27FC236}">
+                <a16:creationId xmlns:a16="http://schemas.microsoft.com/office/drawing/2014/main" id="{407061FA-9CCF-43E8-8190-DCFDCFD09F79}"/>
+              </a:ext>
+            </a:extLst>
+          </p:cNvPr>
+          <p:cNvSpPr>
+            <a:spLocks noGrp="1"/>
+          </p:cNvSpPr>
+          <p:nvPr>
+            <p:ph type="title"/>
+          </p:nvPr>
+        </p:nvSpPr>
+        <p:spPr>
+          <a:xfrm>
+            <a:off x="1598613" y="690236"/>
+            <a:ext cx="9905998" cy="1004094"/>
+          </a:xfrm>
+        </p:spPr>
+        <p:txBody>
+          <a:bodyPr/>
+          <a:lstStyle/>
+          <a:p>
+            <a:r>
+              <a:rPr lang="en-US" dirty="0"/>
+              <a:t>CONCLUSION</a:t>
+            </a:r>
+            <a:endParaRPr lang="en-IN" dirty="0"/>
+          </a:p>
+        </p:txBody>
+      </p:sp>
+      <p:sp>
+        <p:nvSpPr>
+          <p:cNvPr id="3" name="Content Placeholder 2">
+            <a:extLst>
+              <a:ext uri="{FF2B5EF4-FFF2-40B4-BE49-F238E27FC236}">
+                <a16:creationId xmlns:a16="http://schemas.microsoft.com/office/drawing/2014/main" id="{AC897ED5-EA84-429E-807F-EB3E9A006ADC}"/>
+              </a:ext>
+            </a:extLst>
+          </p:cNvPr>
+          <p:cNvSpPr>
+            <a:spLocks noGrp="1"/>
+          </p:cNvSpPr>
+          <p:nvPr>
+            <p:ph idx="1"/>
+          </p:nvPr>
+        </p:nvSpPr>
+        <p:spPr>
+          <a:xfrm>
+            <a:off x="1598614" y="1828146"/>
+            <a:ext cx="8137058" cy="3541714"/>
+          </a:xfrm>
+        </p:spPr>
+        <p:txBody>
+          <a:bodyPr/>
+          <a:lstStyle/>
+          <a:p>
+            <a:pPr marL="0" indent="0">
+              <a:buNone/>
+            </a:pPr>
+            <a:r>
+              <a:rPr lang="en-US" dirty="0"/>
+              <a:t>The Code written for the program to find upper and lower triangular matrix is written with the help of for loop, if-else functions and 2D Arrays.</a:t>
+            </a:r>
+            <a:endParaRPr lang="en-IN" dirty="0"/>
+          </a:p>
+        </p:txBody>
+      </p:sp>
+    </p:spTree>
+    <p:extLst>
+      <p:ext uri="{BB962C8B-B14F-4D97-AF65-F5344CB8AC3E}">
+        <p14:creationId xmlns:p14="http://schemas.microsoft.com/office/powerpoint/2010/main" val="1586961705"/>
+      </p:ext>
+    </p:extLst>
+  </p:cSld>
+  <p:clrMapOvr>
+    <a:masterClrMapping/>
+  </p:clrMapOvr>
+</p:sld>
+</file>
+
+<file path=ppt/slides/slide9.xml><?xml version="1.0" encoding="utf-8"?>
+<p:sld xmlns:a="http://schemas.openxmlformats.org/drawingml/2006/main" xmlns:r="http://schemas.openxmlformats.org/officeDocument/2006/relationships" xmlns:p="http://schemas.openxmlformats.org/presentationml/2006/main">
+  <p:cSld>
+    <p:spTree>
+      <p:nvGrpSpPr>
+        <p:cNvPr id="1" name=""/>
+        <p:cNvGrpSpPr/>
+        <p:nvPr/>
+      </p:nvGrpSpPr>
+      <p:grpSpPr>
+        <a:xfrm>
+          <a:off x="0" y="0"/>
+          <a:ext cx="0" cy="0"/>
+          <a:chOff x="0" y="0"/>
+          <a:chExt cx="0" cy="0"/>
+        </a:xfrm>
+      </p:grpSpPr>
+      <p:sp>
+        <p:nvSpPr>
+          <p:cNvPr id="2" name="Title 1">
+            <a:extLst>
+              <a:ext uri="{FF2B5EF4-FFF2-40B4-BE49-F238E27FC236}">
+                <a16:creationId xmlns:a16="http://schemas.microsoft.com/office/drawing/2014/main" id="{167EEEAC-4B54-41C9-81D8-6681C2EE0657}"/>
+              </a:ext>
+            </a:extLst>
+          </p:cNvPr>
+          <p:cNvSpPr>
+            <a:spLocks noGrp="1"/>
+          </p:cNvSpPr>
+          <p:nvPr>
+            <p:ph type="ctrTitle"/>
+          </p:nvPr>
+        </p:nvSpPr>
+        <p:spPr>
+          <a:xfrm>
+            <a:off x="2629459" y="1013012"/>
+            <a:ext cx="8791575" cy="815788"/>
+          </a:xfrm>
+        </p:spPr>
+        <p:txBody>
+          <a:bodyPr>
+            <a:normAutofit/>
+          </a:bodyPr>
+          <a:lstStyle/>
+          <a:p>
+            <a:r>
+              <a:rPr lang="en-US" sz="3600" dirty="0"/>
+              <a:t>REFERENCES</a:t>
+            </a:r>
+            <a:endParaRPr lang="en-IN" sz="3600" dirty="0"/>
+          </a:p>
+        </p:txBody>
+      </p:sp>
+      <p:sp>
+        <p:nvSpPr>
+          <p:cNvPr id="3" name="Subtitle 2">
+            <a:extLst>
+              <a:ext uri="{FF2B5EF4-FFF2-40B4-BE49-F238E27FC236}">
+                <a16:creationId xmlns:a16="http://schemas.microsoft.com/office/drawing/2014/main" id="{0503C896-168A-478C-B184-D98211E9189D}"/>
+              </a:ext>
+            </a:extLst>
+          </p:cNvPr>
+          <p:cNvSpPr>
+            <a:spLocks noGrp="1"/>
+          </p:cNvSpPr>
+          <p:nvPr>
+            <p:ph type="subTitle" idx="1"/>
+          </p:nvPr>
+        </p:nvSpPr>
+        <p:spPr>
+          <a:xfrm>
+            <a:off x="2629459" y="2248369"/>
+            <a:ext cx="8791575" cy="1655762"/>
+          </a:xfrm>
+        </p:spPr>
+        <p:txBody>
+          <a:bodyPr/>
+          <a:lstStyle/>
+          <a:p>
+            <a:endParaRPr lang="en-IN" dirty="0"/>
+          </a:p>
+        </p:txBody>
+      </p:sp>
+    </p:spTree>
+    <p:extLst>
+      <p:ext uri="{BB962C8B-B14F-4D97-AF65-F5344CB8AC3E}">
+        <p14:creationId xmlns:p14="http://schemas.microsoft.com/office/powerpoint/2010/main" val="2413963632"/>
       </p:ext>
     </p:extLst>
   </p:cSld>
